--- a/figures/figure_3.pptx
+++ b/figures/figure_3.pptx
@@ -104,6 +104,11 @@
       </a:defRPr>
     </a:lvl9pPr>
   </p:defaultTextStyle>
+  <p:extLst>
+    <p:ext uri="{EFAFB233-063F-42B5-8137-9DF3F51BA10A}">
+      <p15:sldGuideLst xmlns:p15="http://schemas.microsoft.com/office/powerpoint/2012/main"/>
+    </p:ext>
+  </p:extLst>
 </p:presentation>
 </file>
 
@@ -238,7 +243,7 @@
           <a:p>
             <a:fld id="{CDEA3AC5-7754-486D-818F-ECE3CDF0DA06}" type="datetimeFigureOut">
               <a:rPr lang="de-AT" smtClean="0"/>
-              <a:t>29.11.2025</a:t>
+              <a:t>03.12.2025</a:t>
             </a:fld>
             <a:endParaRPr lang="de-AT"/>
           </a:p>
@@ -408,7 +413,7 @@
           <a:p>
             <a:fld id="{CDEA3AC5-7754-486D-818F-ECE3CDF0DA06}" type="datetimeFigureOut">
               <a:rPr lang="de-AT" smtClean="0"/>
-              <a:t>29.11.2025</a:t>
+              <a:t>03.12.2025</a:t>
             </a:fld>
             <a:endParaRPr lang="de-AT"/>
           </a:p>
@@ -588,7 +593,7 @@
           <a:p>
             <a:fld id="{CDEA3AC5-7754-486D-818F-ECE3CDF0DA06}" type="datetimeFigureOut">
               <a:rPr lang="de-AT" smtClean="0"/>
-              <a:t>29.11.2025</a:t>
+              <a:t>03.12.2025</a:t>
             </a:fld>
             <a:endParaRPr lang="de-AT"/>
           </a:p>
@@ -758,7 +763,7 @@
           <a:p>
             <a:fld id="{CDEA3AC5-7754-486D-818F-ECE3CDF0DA06}" type="datetimeFigureOut">
               <a:rPr lang="de-AT" smtClean="0"/>
-              <a:t>29.11.2025</a:t>
+              <a:t>03.12.2025</a:t>
             </a:fld>
             <a:endParaRPr lang="de-AT"/>
           </a:p>
@@ -1004,7 +1009,7 @@
           <a:p>
             <a:fld id="{CDEA3AC5-7754-486D-818F-ECE3CDF0DA06}" type="datetimeFigureOut">
               <a:rPr lang="de-AT" smtClean="0"/>
-              <a:t>29.11.2025</a:t>
+              <a:t>03.12.2025</a:t>
             </a:fld>
             <a:endParaRPr lang="de-AT"/>
           </a:p>
@@ -1236,7 +1241,7 @@
           <a:p>
             <a:fld id="{CDEA3AC5-7754-486D-818F-ECE3CDF0DA06}" type="datetimeFigureOut">
               <a:rPr lang="de-AT" smtClean="0"/>
-              <a:t>29.11.2025</a:t>
+              <a:t>03.12.2025</a:t>
             </a:fld>
             <a:endParaRPr lang="de-AT"/>
           </a:p>
@@ -1603,7 +1608,7 @@
           <a:p>
             <a:fld id="{CDEA3AC5-7754-486D-818F-ECE3CDF0DA06}" type="datetimeFigureOut">
               <a:rPr lang="de-AT" smtClean="0"/>
-              <a:t>29.11.2025</a:t>
+              <a:t>03.12.2025</a:t>
             </a:fld>
             <a:endParaRPr lang="de-AT"/>
           </a:p>
@@ -1721,7 +1726,7 @@
           <a:p>
             <a:fld id="{CDEA3AC5-7754-486D-818F-ECE3CDF0DA06}" type="datetimeFigureOut">
               <a:rPr lang="de-AT" smtClean="0"/>
-              <a:t>29.11.2025</a:t>
+              <a:t>03.12.2025</a:t>
             </a:fld>
             <a:endParaRPr lang="de-AT"/>
           </a:p>
@@ -1816,7 +1821,7 @@
           <a:p>
             <a:fld id="{CDEA3AC5-7754-486D-818F-ECE3CDF0DA06}" type="datetimeFigureOut">
               <a:rPr lang="de-AT" smtClean="0"/>
-              <a:t>29.11.2025</a:t>
+              <a:t>03.12.2025</a:t>
             </a:fld>
             <a:endParaRPr lang="de-AT"/>
           </a:p>
@@ -2093,7 +2098,7 @@
           <a:p>
             <a:fld id="{CDEA3AC5-7754-486D-818F-ECE3CDF0DA06}" type="datetimeFigureOut">
               <a:rPr lang="de-AT" smtClean="0"/>
-              <a:t>29.11.2025</a:t>
+              <a:t>03.12.2025</a:t>
             </a:fld>
             <a:endParaRPr lang="de-AT"/>
           </a:p>
@@ -2350,7 +2355,7 @@
           <a:p>
             <a:fld id="{CDEA3AC5-7754-486D-818F-ECE3CDF0DA06}" type="datetimeFigureOut">
               <a:rPr lang="de-AT" smtClean="0"/>
-              <a:t>29.11.2025</a:t>
+              <a:t>03.12.2025</a:t>
             </a:fld>
             <a:endParaRPr lang="de-AT"/>
           </a:p>
@@ -2563,7 +2568,7 @@
           <a:p>
             <a:fld id="{CDEA3AC5-7754-486D-818F-ECE3CDF0DA06}" type="datetimeFigureOut">
               <a:rPr lang="de-AT" smtClean="0"/>
-              <a:t>29.11.2025</a:t>
+              <a:t>03.12.2025</a:t>
             </a:fld>
             <a:endParaRPr lang="de-AT"/>
           </a:p>
@@ -3715,7 +3720,7 @@
           <p:nvPr>
             <p:extLst>
               <p:ext uri="{D42A27DB-BD31-4B8C-83A1-F6EECF244321}">
-                <p14:modId xmlns:p14="http://schemas.microsoft.com/office/powerpoint/2010/main" val="79419839"/>
+                <p14:modId xmlns:p14="http://schemas.microsoft.com/office/powerpoint/2010/main" val="2026477101"/>
               </p:ext>
             </p:extLst>
           </p:nvPr>
@@ -3822,7 +3827,7 @@
                     <a:p>
                       <a:r>
                         <a:rPr lang="de-DE" sz="800" dirty="0"/>
-                        <a:t>33.248 Å</a:t>
+                        <a:t>33.2 Å</a:t>
                       </a:r>
                       <a:endParaRPr lang="de-AT" sz="800" dirty="0"/>
                     </a:p>
@@ -3836,7 +3841,7 @@
                     <a:p>
                       <a:r>
                         <a:rPr lang="de-DE" sz="800" dirty="0"/>
-                        <a:t>31.807 Å</a:t>
+                        <a:t>31.8 Å</a:t>
                       </a:r>
                       <a:endParaRPr lang="de-AT" sz="800" dirty="0"/>
                     </a:p>
@@ -3871,7 +3876,7 @@
                     <a:p>
                       <a:r>
                         <a:rPr lang="de-DE" sz="800" dirty="0"/>
-                        <a:t>28.670 Å</a:t>
+                        <a:t>28.7 Å</a:t>
                       </a:r>
                       <a:endParaRPr lang="de-AT" sz="800" dirty="0"/>
                     </a:p>
@@ -3884,8 +3889,12 @@
                     <a:lstStyle/>
                     <a:p>
                       <a:r>
+                        <a:rPr lang="de-DE" sz="800"/>
+                        <a:t>23.9  </a:t>
+                      </a:r>
+                      <a:r>
                         <a:rPr lang="de-DE" sz="800" dirty="0"/>
-                        <a:t>23.917  Å</a:t>
+                        <a:t>Å</a:t>
                       </a:r>
                       <a:endParaRPr lang="de-AT" sz="800" dirty="0"/>
                     </a:p>
